--- a/Dokumentation/online-umfrage-päsi.pptx
+++ b/Dokumentation/online-umfrage-päsi.pptx
@@ -125,7 +125,7 @@
 <file path=ppt/charts/chart1.xml><?xml version="1.0" encoding="utf-8"?>
 <c:chartSpace xmlns:c="http://schemas.openxmlformats.org/drawingml/2006/chart" xmlns:a="http://schemas.openxmlformats.org/drawingml/2006/main" xmlns:r="http://schemas.openxmlformats.org/officeDocument/2006/relationships">
   <c:date1904 val="0"/>
-  <c:lang val="en-US"/>
+  <c:lang val="de-DE"/>
   <c:roundedCorners val="0"/>
   <mc:AlternateContent xmlns:mc="http://schemas.openxmlformats.org/markup-compatibility/2006">
     <mc:Choice xmlns:c14="http://schemas.microsoft.com/office/drawing/2007/8/2/chart" Requires="c14">
@@ -366,11 +366,11 @@
         </c:dLbls>
         <c:marker val="1"/>
         <c:smooth val="0"/>
-        <c:axId val="48136960"/>
-        <c:axId val="48138496"/>
+        <c:axId val="44918272"/>
+        <c:axId val="44919808"/>
       </c:lineChart>
       <c:catAx>
-        <c:axId val="48136960"/>
+        <c:axId val="44918272"/>
         <c:scaling>
           <c:orientation val="minMax"/>
         </c:scaling>
@@ -380,7 +380,7 @@
         <c:majorTickMark val="out"/>
         <c:minorTickMark val="none"/>
         <c:tickLblPos val="nextTo"/>
-        <c:crossAx val="48138496"/>
+        <c:crossAx val="44919808"/>
         <c:crosses val="autoZero"/>
         <c:auto val="1"/>
         <c:lblAlgn val="ctr"/>
@@ -388,7 +388,7 @@
         <c:noMultiLvlLbl val="0"/>
       </c:catAx>
       <c:valAx>
-        <c:axId val="48138496"/>
+        <c:axId val="44919808"/>
         <c:scaling>
           <c:orientation val="minMax"/>
         </c:scaling>
@@ -399,7 +399,7 @@
         <c:majorTickMark val="out"/>
         <c:minorTickMark val="none"/>
         <c:tickLblPos val="nextTo"/>
-        <c:crossAx val="48136960"/>
+        <c:crossAx val="44918272"/>
         <c:crosses val="autoZero"/>
         <c:crossBetween val="between"/>
       </c:valAx>
@@ -4537,13 +4537,6 @@
             </a:r>
           </a:p>
           <a:p>
-            <a:pPr lvl="1"/>
-            <a:r>
-              <a:rPr lang="de-DE" dirty="0" smtClean="0"/>
-              <a:t>Verbesserung der Erweiterbarkeit der Umfragen</a:t>
-            </a:r>
-          </a:p>
-          <a:p>
             <a:endParaRPr lang="de-DE" dirty="0"/>
           </a:p>
         </p:txBody>
@@ -5043,13 +5036,8 @@
             <a:pPr lvl="1"/>
             <a:r>
               <a:rPr lang="de-DE" dirty="0" smtClean="0"/>
-              <a:t>Vereinfachung des, aktuell manuell durchgeführten, </a:t>
-            </a:r>
-            <a:r>
-              <a:rPr lang="de-DE" dirty="0" smtClean="0"/>
-              <a:t>Vorgangs</a:t>
-            </a:r>
-            <a:endParaRPr lang="de-DE" dirty="0" smtClean="0"/>
+              <a:t>Vereinfachung des, aktuell manuell durchgeführten, Vorgangs</a:t>
+            </a:r>
           </a:p>
           <a:p>
             <a:pPr lvl="1"/>

--- a/Dokumentation/online-umfrage-päsi.pptx
+++ b/Dokumentation/online-umfrage-päsi.pptx
@@ -16,11 +16,12 @@
     <p:sldId id="267" r:id="rId10"/>
     <p:sldId id="260" r:id="rId11"/>
     <p:sldId id="261" r:id="rId12"/>
-    <p:sldId id="268" r:id="rId13"/>
-    <p:sldId id="270" r:id="rId14"/>
-    <p:sldId id="269" r:id="rId15"/>
-    <p:sldId id="262" r:id="rId16"/>
-    <p:sldId id="271" r:id="rId17"/>
+    <p:sldId id="272" r:id="rId13"/>
+    <p:sldId id="268" r:id="rId14"/>
+    <p:sldId id="270" r:id="rId15"/>
+    <p:sldId id="269" r:id="rId16"/>
+    <p:sldId id="262" r:id="rId17"/>
+    <p:sldId id="271" r:id="rId18"/>
   </p:sldIdLst>
   <p:sldSz cx="9144000" cy="6858000" type="screen4x3"/>
   <p:notesSz cx="6858000" cy="9144000"/>
@@ -366,11 +367,11 @@
         </c:dLbls>
         <c:marker val="1"/>
         <c:smooth val="0"/>
-        <c:axId val="44918272"/>
-        <c:axId val="44919808"/>
+        <c:axId val="42099456"/>
+        <c:axId val="42100992"/>
       </c:lineChart>
       <c:catAx>
-        <c:axId val="44918272"/>
+        <c:axId val="42099456"/>
         <c:scaling>
           <c:orientation val="minMax"/>
         </c:scaling>
@@ -380,7 +381,7 @@
         <c:majorTickMark val="out"/>
         <c:minorTickMark val="none"/>
         <c:tickLblPos val="nextTo"/>
-        <c:crossAx val="44919808"/>
+        <c:crossAx val="42100992"/>
         <c:crosses val="autoZero"/>
         <c:auto val="1"/>
         <c:lblAlgn val="ctr"/>
@@ -388,7 +389,7 @@
         <c:noMultiLvlLbl val="0"/>
       </c:catAx>
       <c:valAx>
-        <c:axId val="44919808"/>
+        <c:axId val="42100992"/>
         <c:scaling>
           <c:orientation val="minMax"/>
         </c:scaling>
@@ -399,7 +400,7 @@
         <c:majorTickMark val="out"/>
         <c:minorTickMark val="none"/>
         <c:tickLblPos val="nextTo"/>
-        <c:crossAx val="44918272"/>
+        <c:crossAx val="42099456"/>
         <c:crosses val="autoZero"/>
         <c:crossBetween val="between"/>
       </c:valAx>
@@ -680,7 +681,7 @@
           <a:p>
             <a:fld id="{1BA50D42-C9CD-4801-B293-61D1F53EC57E}" type="datetimeFigureOut">
               <a:rPr lang="de-DE" smtClean="0"/>
-              <a:t>12.06.2014</a:t>
+              <a:t>19.06.2014</a:t>
             </a:fld>
             <a:endParaRPr lang="de-DE"/>
           </a:p>
@@ -880,7 +881,7 @@
           <a:p>
             <a:fld id="{1BA50D42-C9CD-4801-B293-61D1F53EC57E}" type="datetimeFigureOut">
               <a:rPr lang="de-DE" smtClean="0"/>
-              <a:t>12.06.2014</a:t>
+              <a:t>19.06.2014</a:t>
             </a:fld>
             <a:endParaRPr lang="de-DE"/>
           </a:p>
@@ -1055,7 +1056,7 @@
           <a:p>
             <a:fld id="{1BA50D42-C9CD-4801-B293-61D1F53EC57E}" type="datetimeFigureOut">
               <a:rPr lang="de-DE" smtClean="0"/>
-              <a:t>12.06.2014</a:t>
+              <a:t>19.06.2014</a:t>
             </a:fld>
             <a:endParaRPr lang="de-DE"/>
           </a:p>
@@ -1220,7 +1221,7 @@
           <a:p>
             <a:fld id="{1BA50D42-C9CD-4801-B293-61D1F53EC57E}" type="datetimeFigureOut">
               <a:rPr lang="de-DE" smtClean="0"/>
-              <a:t>12.06.2014</a:t>
+              <a:t>19.06.2014</a:t>
             </a:fld>
             <a:endParaRPr lang="de-DE"/>
           </a:p>
@@ -1468,7 +1469,7 @@
           <a:p>
             <a:fld id="{1BA50D42-C9CD-4801-B293-61D1F53EC57E}" type="datetimeFigureOut">
               <a:rPr lang="de-DE" smtClean="0"/>
-              <a:t>12.06.2014</a:t>
+              <a:t>19.06.2014</a:t>
             </a:fld>
             <a:endParaRPr lang="de-DE"/>
           </a:p>
@@ -1786,7 +1787,7 @@
           <a:p>
             <a:fld id="{1BA50D42-C9CD-4801-B293-61D1F53EC57E}" type="datetimeFigureOut">
               <a:rPr lang="de-DE" smtClean="0"/>
-              <a:t>12.06.2014</a:t>
+              <a:t>19.06.2014</a:t>
             </a:fld>
             <a:endParaRPr lang="de-DE"/>
           </a:p>
@@ -2252,7 +2253,7 @@
           <a:p>
             <a:fld id="{1BA50D42-C9CD-4801-B293-61D1F53EC57E}" type="datetimeFigureOut">
               <a:rPr lang="de-DE" smtClean="0"/>
-              <a:t>12.06.2014</a:t>
+              <a:t>19.06.2014</a:t>
             </a:fld>
             <a:endParaRPr lang="de-DE"/>
           </a:p>
@@ -2400,7 +2401,7 @@
           <a:p>
             <a:fld id="{1BA50D42-C9CD-4801-B293-61D1F53EC57E}" type="datetimeFigureOut">
               <a:rPr lang="de-DE" smtClean="0"/>
-              <a:t>12.06.2014</a:t>
+              <a:t>19.06.2014</a:t>
             </a:fld>
             <a:endParaRPr lang="de-DE"/>
           </a:p>
@@ -2490,7 +2491,7 @@
           <a:p>
             <a:fld id="{1BA50D42-C9CD-4801-B293-61D1F53EC57E}" type="datetimeFigureOut">
               <a:rPr lang="de-DE" smtClean="0"/>
-              <a:t>12.06.2014</a:t>
+              <a:t>19.06.2014</a:t>
             </a:fld>
             <a:endParaRPr lang="de-DE"/>
           </a:p>
@@ -2764,7 +2765,7 @@
           <a:p>
             <a:fld id="{1BA50D42-C9CD-4801-B293-61D1F53EC57E}" type="datetimeFigureOut">
               <a:rPr lang="de-DE" smtClean="0"/>
-              <a:t>12.06.2014</a:t>
+              <a:t>19.06.2014</a:t>
             </a:fld>
             <a:endParaRPr lang="de-DE"/>
           </a:p>
@@ -3069,7 +3070,7 @@
           <a:p>
             <a:fld id="{1BA50D42-C9CD-4801-B293-61D1F53EC57E}" type="datetimeFigureOut">
               <a:rPr lang="de-DE" smtClean="0"/>
-              <a:t>12.06.2014</a:t>
+              <a:t>19.06.2014</a:t>
             </a:fld>
             <a:endParaRPr lang="de-DE"/>
           </a:p>
@@ -3367,7 +3368,7 @@
           <a:p>
             <a:fld id="{1BA50D42-C9CD-4801-B293-61D1F53EC57E}" type="datetimeFigureOut">
               <a:rPr lang="de-DE" smtClean="0"/>
-              <a:t>12.06.2014</a:t>
+              <a:t>19.06.2014</a:t>
             </a:fld>
             <a:endParaRPr lang="de-DE"/>
           </a:p>
@@ -4097,6 +4098,162 @@
           <a:lstStyle/>
           <a:p>
             <a:r>
+              <a:rPr lang="de-DE" dirty="0" err="1" smtClean="0"/>
+              <a:t>Testing</a:t>
+            </a:r>
+            <a:r>
+              <a:rPr lang="de-DE" dirty="0" smtClean="0"/>
+              <a:t> – Online-Umfragesystem</a:t>
+            </a:r>
+            <a:endParaRPr lang="de-DE" dirty="0"/>
+          </a:p>
+        </p:txBody>
+      </p:sp>
+      <p:sp>
+        <p:nvSpPr>
+          <p:cNvPr id="3" name="Inhaltsplatzhalter 2"/>
+          <p:cNvSpPr>
+            <a:spLocks noGrp="1"/>
+          </p:cNvSpPr>
+          <p:nvPr>
+            <p:ph idx="1"/>
+          </p:nvPr>
+        </p:nvSpPr>
+        <p:spPr/>
+        <p:txBody>
+          <a:bodyPr/>
+          <a:lstStyle/>
+          <a:p>
+            <a:endParaRPr lang="de-DE" dirty="0" smtClean="0"/>
+          </a:p>
+          <a:p>
+            <a:r>
+              <a:rPr lang="de-DE" dirty="0" smtClean="0"/>
+              <a:t>Testverfahren:</a:t>
+            </a:r>
+          </a:p>
+          <a:p>
+            <a:pPr lvl="1"/>
+            <a:r>
+              <a:rPr lang="de-DE" dirty="0" smtClean="0"/>
+              <a:t>White-Box-Test</a:t>
+            </a:r>
+          </a:p>
+          <a:p>
+            <a:pPr lvl="2"/>
+            <a:r>
+              <a:rPr lang="de-DE" dirty="0" smtClean="0"/>
+              <a:t>Installation auf dem </a:t>
+            </a:r>
+            <a:r>
+              <a:rPr lang="de-DE" dirty="0" err="1" smtClean="0"/>
+              <a:t>Tomcat</a:t>
+            </a:r>
+            <a:r>
+              <a:rPr lang="de-DE" dirty="0" smtClean="0"/>
+              <a:t>-Server</a:t>
+            </a:r>
+          </a:p>
+          <a:p>
+            <a:pPr lvl="2"/>
+            <a:r>
+              <a:rPr lang="de-DE" dirty="0" smtClean="0"/>
+              <a:t>Distribution der Mails</a:t>
+            </a:r>
+          </a:p>
+          <a:p>
+            <a:pPr lvl="2"/>
+            <a:r>
+              <a:rPr lang="de-DE" dirty="0" smtClean="0"/>
+              <a:t>Empfang der Mails</a:t>
+            </a:r>
+          </a:p>
+          <a:p>
+            <a:pPr lvl="2"/>
+            <a:r>
+              <a:rPr lang="de-DE" dirty="0" smtClean="0"/>
+              <a:t>Beantworten einer Umfrage</a:t>
+            </a:r>
+          </a:p>
+          <a:p>
+            <a:pPr lvl="2"/>
+            <a:r>
+              <a:rPr lang="de-DE" dirty="0" smtClean="0"/>
+              <a:t>Überprüfung der Statistik</a:t>
+            </a:r>
+          </a:p>
+          <a:p>
+            <a:pPr lvl="2"/>
+            <a:endParaRPr lang="de-DE" dirty="0"/>
+          </a:p>
+          <a:p>
+            <a:pPr lvl="1"/>
+            <a:r>
+              <a:rPr lang="de-DE" dirty="0" smtClean="0"/>
+              <a:t>Mangel an Erfahrung/Tester </a:t>
+            </a:r>
+          </a:p>
+          <a:p>
+            <a:pPr lvl="2"/>
+            <a:r>
+              <a:rPr lang="de-DE" dirty="0" smtClean="0"/>
+              <a:t>Keine Black-Box-Tests</a:t>
+            </a:r>
+          </a:p>
+          <a:p>
+            <a:pPr marL="548640" lvl="2" indent="0">
+              <a:buNone/>
+            </a:pPr>
+            <a:endParaRPr lang="de-DE" dirty="0"/>
+          </a:p>
+        </p:txBody>
+      </p:sp>
+    </p:spTree>
+    <p:extLst>
+      <p:ext uri="{BB962C8B-B14F-4D97-AF65-F5344CB8AC3E}">
+        <p14:creationId xmlns:p14="http://schemas.microsoft.com/office/powerpoint/2010/main" val="3751099399"/>
+      </p:ext>
+    </p:extLst>
+  </p:cSld>
+  <p:clrMapOvr>
+    <a:masterClrMapping/>
+  </p:clrMapOvr>
+</p:sld>
+</file>
+
+<file path=ppt/slides/slide13.xml><?xml version="1.0" encoding="utf-8"?>
+<p:sld xmlns:a="http://schemas.openxmlformats.org/drawingml/2006/main" xmlns:r="http://schemas.openxmlformats.org/officeDocument/2006/relationships" xmlns:p="http://schemas.openxmlformats.org/presentationml/2006/main">
+  <p:cSld>
+    <p:spTree>
+      <p:nvGrpSpPr>
+        <p:cNvPr id="1" name=""/>
+        <p:cNvGrpSpPr/>
+        <p:nvPr/>
+      </p:nvGrpSpPr>
+      <p:grpSpPr>
+        <a:xfrm>
+          <a:off x="0" y="0"/>
+          <a:ext cx="0" cy="0"/>
+          <a:chOff x="0" y="0"/>
+          <a:chExt cx="0" cy="0"/>
+        </a:xfrm>
+      </p:grpSpPr>
+      <p:sp>
+        <p:nvSpPr>
+          <p:cNvPr id="2" name="Titel 1"/>
+          <p:cNvSpPr>
+            <a:spLocks noGrp="1"/>
+          </p:cNvSpPr>
+          <p:nvPr>
+            <p:ph type="title"/>
+          </p:nvPr>
+        </p:nvSpPr>
+        <p:spPr/>
+        <p:txBody>
+          <a:bodyPr/>
+          <a:lstStyle/>
+          <a:p>
+            <a:r>
               <a:rPr lang="de-DE" dirty="0" smtClean="0"/>
               <a:t>Umsetzung – Online-Umfragesystem</a:t>
             </a:r>
@@ -4180,194 +4337,6 @@
 </p:sld>
 </file>
 
-<file path=ppt/slides/slide13.xml><?xml version="1.0" encoding="utf-8"?>
-<p:sld xmlns:a="http://schemas.openxmlformats.org/drawingml/2006/main" xmlns:r="http://schemas.openxmlformats.org/officeDocument/2006/relationships" xmlns:p="http://schemas.openxmlformats.org/presentationml/2006/main">
-  <p:cSld>
-    <p:spTree>
-      <p:nvGrpSpPr>
-        <p:cNvPr id="1" name=""/>
-        <p:cNvGrpSpPr/>
-        <p:nvPr/>
-      </p:nvGrpSpPr>
-      <p:grpSpPr>
-        <a:xfrm>
-          <a:off x="0" y="0"/>
-          <a:ext cx="0" cy="0"/>
-          <a:chOff x="0" y="0"/>
-          <a:chExt cx="0" cy="0"/>
-        </a:xfrm>
-      </p:grpSpPr>
-      <p:sp>
-        <p:nvSpPr>
-          <p:cNvPr id="2" name="Titel 1"/>
-          <p:cNvSpPr>
-            <a:spLocks noGrp="1"/>
-          </p:cNvSpPr>
-          <p:nvPr>
-            <p:ph type="title"/>
-          </p:nvPr>
-        </p:nvSpPr>
-        <p:spPr/>
-        <p:txBody>
-          <a:bodyPr>
-            <a:normAutofit/>
-          </a:bodyPr>
-          <a:lstStyle/>
-          <a:p>
-            <a:r>
-              <a:rPr lang="de-DE" dirty="0" smtClean="0"/>
-              <a:t>Wirtschaftlichkeit – Online-Umfrage</a:t>
-            </a:r>
-            <a:endParaRPr lang="en-US" dirty="0"/>
-          </a:p>
-        </p:txBody>
-      </p:sp>
-      <p:sp>
-        <p:nvSpPr>
-          <p:cNvPr id="3" name="Inhaltsplatzhalter 2"/>
-          <p:cNvSpPr>
-            <a:spLocks noGrp="1"/>
-          </p:cNvSpPr>
-          <p:nvPr>
-            <p:ph idx="1"/>
-          </p:nvPr>
-        </p:nvSpPr>
-        <p:spPr/>
-        <p:txBody>
-          <a:bodyPr>
-            <a:normAutofit/>
-          </a:bodyPr>
-          <a:lstStyle/>
-          <a:p>
-            <a:endParaRPr lang="de-DE" b="1" dirty="0" smtClean="0"/>
-          </a:p>
-          <a:p>
-            <a:r>
-              <a:rPr lang="de-DE" b="1" dirty="0" smtClean="0"/>
-              <a:t>Ist-Zustand</a:t>
-            </a:r>
-            <a:endParaRPr lang="en-US" dirty="0"/>
-          </a:p>
-          <a:p>
-            <a:pPr marL="274320" lvl="1" indent="0">
-              <a:buNone/>
-            </a:pPr>
-            <a:r>
-              <a:rPr lang="de-DE" dirty="0"/>
-              <a:t>Materialien postalische Umfrage:	</a:t>
-            </a:r>
-            <a:r>
-              <a:rPr lang="de-DE" dirty="0" smtClean="0"/>
-              <a:t>	0,70</a:t>
-            </a:r>
-            <a:r>
-              <a:rPr lang="de-DE" dirty="0"/>
-              <a:t>€	</a:t>
-            </a:r>
-            <a:r>
-              <a:rPr lang="de-DE" dirty="0" smtClean="0"/>
-              <a:t>/ </a:t>
-            </a:r>
-            <a:r>
-              <a:rPr lang="de-DE" dirty="0"/>
-              <a:t>Stück</a:t>
-            </a:r>
-            <a:br>
-              <a:rPr lang="de-DE" dirty="0"/>
-            </a:br>
-            <a:r>
-              <a:rPr lang="de-DE" dirty="0" smtClean="0"/>
-              <a:t>Arbeitsaufwand </a:t>
-            </a:r>
-            <a:r>
-              <a:rPr lang="de-DE" dirty="0"/>
-              <a:t>postalische Umfrage:		4,00€	</a:t>
-            </a:r>
-            <a:r>
-              <a:rPr lang="de-DE" dirty="0" smtClean="0"/>
-              <a:t>/ </a:t>
-            </a:r>
-            <a:r>
-              <a:rPr lang="de-DE" dirty="0"/>
-              <a:t>Stück</a:t>
-            </a:r>
-            <a:br>
-              <a:rPr lang="de-DE" dirty="0"/>
-            </a:br>
-            <a:r>
-              <a:rPr lang="de-DE" dirty="0"/>
-              <a:t>	Arbeitsaufwand der Auswertung:		2,00€	</a:t>
-            </a:r>
-            <a:r>
-              <a:rPr lang="de-DE" dirty="0" smtClean="0"/>
-              <a:t>/ </a:t>
-            </a:r>
-            <a:r>
-              <a:rPr lang="de-DE" dirty="0"/>
-              <a:t>Stück</a:t>
-            </a:r>
-            <a:endParaRPr lang="en-US" dirty="0"/>
-          </a:p>
-          <a:p>
-            <a:endParaRPr lang="en-US" dirty="0"/>
-          </a:p>
-          <a:p>
-            <a:r>
-              <a:rPr lang="de-DE" b="1" dirty="0"/>
-              <a:t>Soll-Zustand</a:t>
-            </a:r>
-            <a:endParaRPr lang="en-US" dirty="0"/>
-          </a:p>
-          <a:p>
-            <a:pPr marL="274320" lvl="1" indent="0">
-              <a:buNone/>
-            </a:pPr>
-            <a:r>
-              <a:rPr lang="de-DE" dirty="0"/>
-              <a:t>Anschaffung der Software:			800,00€	</a:t>
-            </a:r>
-            <a:br>
-              <a:rPr lang="de-DE" dirty="0"/>
-            </a:br>
-            <a:r>
-              <a:rPr lang="de-DE" dirty="0" smtClean="0"/>
-              <a:t>Arbeitsaufwand </a:t>
-            </a:r>
-            <a:r>
-              <a:rPr lang="de-DE" dirty="0"/>
-              <a:t>der Auswertung:		2,00€	</a:t>
-            </a:r>
-            <a:r>
-              <a:rPr lang="de-DE" dirty="0" smtClean="0"/>
-              <a:t>/ </a:t>
-            </a:r>
-            <a:r>
-              <a:rPr lang="de-DE" dirty="0"/>
-              <a:t>Stück</a:t>
-            </a:r>
-            <a:endParaRPr lang="en-US" dirty="0"/>
-          </a:p>
-          <a:p>
-            <a:endParaRPr lang="de-DE" dirty="0"/>
-          </a:p>
-          <a:p>
-            <a:endParaRPr lang="en-US" dirty="0"/>
-          </a:p>
-        </p:txBody>
-      </p:sp>
-    </p:spTree>
-    <p:extLst>
-      <p:ext uri="{BB962C8B-B14F-4D97-AF65-F5344CB8AC3E}">
-        <p14:creationId xmlns:p14="http://schemas.microsoft.com/office/powerpoint/2010/main" val="2587760688"/>
-      </p:ext>
-    </p:extLst>
-  </p:cSld>
-  <p:clrMapOvr>
-    <a:masterClrMapping/>
-  </p:clrMapOvr>
-</p:sld>
-</file>
-
 <file path=ppt/slides/slide14.xml><?xml version="1.0" encoding="utf-8"?>
 <p:sld xmlns:a="http://schemas.openxmlformats.org/drawingml/2006/main" xmlns:r="http://schemas.openxmlformats.org/officeDocument/2006/relationships" xmlns:p="http://schemas.openxmlformats.org/presentationml/2006/main">
   <p:cSld>
@@ -4410,35 +4379,143 @@
           </a:p>
         </p:txBody>
       </p:sp>
-      <p:graphicFrame>
-        <p:nvGraphicFramePr>
-          <p:cNvPr id="4" name="Inhaltsplatzhalter 3"/>
-          <p:cNvGraphicFramePr>
-            <a:graphicFrameLocks noGrp="1"/>
-          </p:cNvGraphicFramePr>
+      <p:sp>
+        <p:nvSpPr>
+          <p:cNvPr id="3" name="Inhaltsplatzhalter 2"/>
+          <p:cNvSpPr>
+            <a:spLocks noGrp="1"/>
+          </p:cNvSpPr>
           <p:nvPr>
             <p:ph idx="1"/>
-            <p:extLst>
-              <p:ext uri="{D42A27DB-BD31-4B8C-83A1-F6EECF244321}">
-                <p14:modId xmlns:p14="http://schemas.microsoft.com/office/powerpoint/2010/main" val="3574331222"/>
-              </p:ext>
-            </p:extLst>
-          </p:nvPr>
-        </p:nvGraphicFramePr>
-        <p:xfrm>
-          <a:off x="395536" y="1600200"/>
-          <a:ext cx="8291264" cy="4781128"/>
-        </p:xfrm>
-        <a:graphic>
-          <a:graphicData uri="http://schemas.openxmlformats.org/drawingml/2006/chart">
-            <c:chart xmlns:c="http://schemas.openxmlformats.org/drawingml/2006/chart" xmlns:r="http://schemas.openxmlformats.org/officeDocument/2006/relationships" r:id="rId2"/>
-          </a:graphicData>
-        </a:graphic>
-      </p:graphicFrame>
+          </p:nvPr>
+        </p:nvSpPr>
+        <p:spPr/>
+        <p:txBody>
+          <a:bodyPr>
+            <a:normAutofit/>
+          </a:bodyPr>
+          <a:lstStyle/>
+          <a:p>
+            <a:endParaRPr lang="de-DE" b="1" dirty="0" smtClean="0"/>
+          </a:p>
+          <a:p>
+            <a:r>
+              <a:rPr lang="de-DE" b="1" dirty="0" smtClean="0"/>
+              <a:t>Ist-Zustand</a:t>
+            </a:r>
+            <a:endParaRPr lang="en-US" dirty="0"/>
+          </a:p>
+          <a:p>
+            <a:pPr marL="274320" lvl="1" indent="0">
+              <a:buNone/>
+            </a:pPr>
+            <a:r>
+              <a:rPr lang="de-DE" dirty="0"/>
+              <a:t>Materialien postalische Umfrage:	</a:t>
+            </a:r>
+            <a:r>
+              <a:rPr lang="de-DE" dirty="0" smtClean="0"/>
+              <a:t>	0,70</a:t>
+            </a:r>
+            <a:r>
+              <a:rPr lang="de-DE" dirty="0"/>
+              <a:t>€	</a:t>
+            </a:r>
+            <a:r>
+              <a:rPr lang="de-DE" dirty="0" smtClean="0"/>
+              <a:t>/ </a:t>
+            </a:r>
+            <a:r>
+              <a:rPr lang="de-DE" dirty="0"/>
+              <a:t>Stück</a:t>
+            </a:r>
+            <a:br>
+              <a:rPr lang="de-DE" dirty="0"/>
+            </a:br>
+            <a:r>
+              <a:rPr lang="de-DE" dirty="0" smtClean="0"/>
+              <a:t>Arbeitsaufwand </a:t>
+            </a:r>
+            <a:r>
+              <a:rPr lang="de-DE" dirty="0"/>
+              <a:t>postalische Umfrage:		4,00€	</a:t>
+            </a:r>
+            <a:r>
+              <a:rPr lang="de-DE" dirty="0" smtClean="0"/>
+              <a:t>/ </a:t>
+            </a:r>
+            <a:r>
+              <a:rPr lang="de-DE" dirty="0"/>
+              <a:t>Stück</a:t>
+            </a:r>
+            <a:br>
+              <a:rPr lang="de-DE" dirty="0"/>
+            </a:br>
+            <a:r>
+              <a:rPr lang="de-DE" dirty="0"/>
+              <a:t>	Arbeitsaufwand der Auswertung:		2,00€	</a:t>
+            </a:r>
+            <a:r>
+              <a:rPr lang="de-DE" dirty="0" smtClean="0"/>
+              <a:t>/ </a:t>
+            </a:r>
+            <a:r>
+              <a:rPr lang="de-DE" dirty="0"/>
+              <a:t>Stück</a:t>
+            </a:r>
+            <a:endParaRPr lang="en-US" dirty="0"/>
+          </a:p>
+          <a:p>
+            <a:endParaRPr lang="en-US" dirty="0"/>
+          </a:p>
+          <a:p>
+            <a:r>
+              <a:rPr lang="de-DE" b="1" dirty="0"/>
+              <a:t>Soll-Zustand</a:t>
+            </a:r>
+            <a:endParaRPr lang="en-US" dirty="0"/>
+          </a:p>
+          <a:p>
+            <a:pPr marL="274320" lvl="1" indent="0">
+              <a:buNone/>
+            </a:pPr>
+            <a:r>
+              <a:rPr lang="de-DE" dirty="0"/>
+              <a:t>Anschaffung der Software:			800,00€	</a:t>
+            </a:r>
+            <a:br>
+              <a:rPr lang="de-DE" dirty="0"/>
+            </a:br>
+            <a:r>
+              <a:rPr lang="de-DE" dirty="0" smtClean="0"/>
+              <a:t>Arbeitsaufwand </a:t>
+            </a:r>
+            <a:r>
+              <a:rPr lang="de-DE" dirty="0"/>
+              <a:t>der Auswertung:		2,00€	</a:t>
+            </a:r>
+            <a:r>
+              <a:rPr lang="de-DE" dirty="0" smtClean="0"/>
+              <a:t>/ </a:t>
+            </a:r>
+            <a:r>
+              <a:rPr lang="de-DE" dirty="0"/>
+              <a:t>Stück</a:t>
+            </a:r>
+            <a:endParaRPr lang="en-US" dirty="0"/>
+          </a:p>
+          <a:p>
+            <a:endParaRPr lang="de-DE" dirty="0"/>
+          </a:p>
+          <a:p>
+            <a:endParaRPr lang="en-US" dirty="0"/>
+          </a:p>
+        </p:txBody>
+      </p:sp>
     </p:spTree>
     <p:extLst>
       <p:ext uri="{BB962C8B-B14F-4D97-AF65-F5344CB8AC3E}">
-        <p14:creationId xmlns:p14="http://schemas.microsoft.com/office/powerpoint/2010/main" val="3028331344"/>
+        <p14:creationId xmlns:p14="http://schemas.microsoft.com/office/powerpoint/2010/main" val="2587760688"/>
       </p:ext>
     </p:extLst>
   </p:cSld>
@@ -4484,6 +4561,86 @@
           <a:p>
             <a:r>
               <a:rPr lang="de-DE" dirty="0" smtClean="0"/>
+              <a:t>Wirtschaftlichkeit – Online-Umfrage</a:t>
+            </a:r>
+            <a:endParaRPr lang="en-US" dirty="0"/>
+          </a:p>
+        </p:txBody>
+      </p:sp>
+      <p:graphicFrame>
+        <p:nvGraphicFramePr>
+          <p:cNvPr id="4" name="Inhaltsplatzhalter 3"/>
+          <p:cNvGraphicFramePr>
+            <a:graphicFrameLocks noGrp="1"/>
+          </p:cNvGraphicFramePr>
+          <p:nvPr>
+            <p:ph idx="1"/>
+            <p:extLst>
+              <p:ext uri="{D42A27DB-BD31-4B8C-83A1-F6EECF244321}">
+                <p14:modId xmlns:p14="http://schemas.microsoft.com/office/powerpoint/2010/main" val="3574331222"/>
+              </p:ext>
+            </p:extLst>
+          </p:nvPr>
+        </p:nvGraphicFramePr>
+        <p:xfrm>
+          <a:off x="395536" y="1600200"/>
+          <a:ext cx="8291264" cy="4781128"/>
+        </p:xfrm>
+        <a:graphic>
+          <a:graphicData uri="http://schemas.openxmlformats.org/drawingml/2006/chart">
+            <c:chart xmlns:c="http://schemas.openxmlformats.org/drawingml/2006/chart" xmlns:r="http://schemas.openxmlformats.org/officeDocument/2006/relationships" r:id="rId2"/>
+          </a:graphicData>
+        </a:graphic>
+      </p:graphicFrame>
+    </p:spTree>
+    <p:extLst>
+      <p:ext uri="{BB962C8B-B14F-4D97-AF65-F5344CB8AC3E}">
+        <p14:creationId xmlns:p14="http://schemas.microsoft.com/office/powerpoint/2010/main" val="3028331344"/>
+      </p:ext>
+    </p:extLst>
+  </p:cSld>
+  <p:clrMapOvr>
+    <a:masterClrMapping/>
+  </p:clrMapOvr>
+</p:sld>
+</file>
+
+<file path=ppt/slides/slide16.xml><?xml version="1.0" encoding="utf-8"?>
+<p:sld xmlns:a="http://schemas.openxmlformats.org/drawingml/2006/main" xmlns:r="http://schemas.openxmlformats.org/officeDocument/2006/relationships" xmlns:p="http://schemas.openxmlformats.org/presentationml/2006/main">
+  <p:cSld>
+    <p:spTree>
+      <p:nvGrpSpPr>
+        <p:cNvPr id="1" name=""/>
+        <p:cNvGrpSpPr/>
+        <p:nvPr/>
+      </p:nvGrpSpPr>
+      <p:grpSpPr>
+        <a:xfrm>
+          <a:off x="0" y="0"/>
+          <a:ext cx="0" cy="0"/>
+          <a:chOff x="0" y="0"/>
+          <a:chExt cx="0" cy="0"/>
+        </a:xfrm>
+      </p:grpSpPr>
+      <p:sp>
+        <p:nvSpPr>
+          <p:cNvPr id="2" name="Titel 1"/>
+          <p:cNvSpPr>
+            <a:spLocks noGrp="1"/>
+          </p:cNvSpPr>
+          <p:nvPr>
+            <p:ph type="title"/>
+          </p:nvPr>
+        </p:nvSpPr>
+        <p:spPr/>
+        <p:txBody>
+          <a:bodyPr>
+            <a:normAutofit/>
+          </a:bodyPr>
+          <a:lstStyle/>
+          <a:p>
+            <a:r>
+              <a:rPr lang="de-DE" dirty="0" smtClean="0"/>
               <a:t>Fazit – Online-Umfragesystem</a:t>
             </a:r>
             <a:endParaRPr lang="en-US" dirty="0"/>
@@ -4510,8 +4667,13 @@
           <a:p>
             <a:r>
               <a:rPr lang="de-DE" dirty="0" smtClean="0"/>
-              <a:t>Die gesetzten Ziele wurden erreicht</a:t>
-            </a:r>
+              <a:t>Die gesetzten Ziele wurden </a:t>
+            </a:r>
+            <a:r>
+              <a:rPr lang="de-DE" dirty="0" smtClean="0"/>
+              <a:t>erreicht</a:t>
+            </a:r>
+            <a:endParaRPr lang="de-DE" dirty="0" smtClean="0"/>
           </a:p>
           <a:p>
             <a:endParaRPr lang="de-DE" dirty="0"/>
@@ -4554,7 +4716,7 @@
 </p:sld>
 </file>
 
-<file path=ppt/slides/slide16.xml><?xml version="1.0" encoding="utf-8"?>
+<file path=ppt/slides/slide17.xml><?xml version="1.0" encoding="utf-8"?>
 <p:sld xmlns:a="http://schemas.openxmlformats.org/drawingml/2006/main" xmlns:r="http://schemas.openxmlformats.org/officeDocument/2006/relationships" xmlns:p="http://schemas.openxmlformats.org/presentationml/2006/main">
   <p:cSld>
     <p:spTree>

--- a/Dokumentation/online-umfrage-päsi.pptx
+++ b/Dokumentation/online-umfrage-päsi.pptx
@@ -367,11 +367,11 @@
         </c:dLbls>
         <c:marker val="1"/>
         <c:smooth val="0"/>
-        <c:axId val="42099456"/>
-        <c:axId val="42100992"/>
+        <c:axId val="85026304"/>
+        <c:axId val="72372160"/>
       </c:lineChart>
       <c:catAx>
-        <c:axId val="42099456"/>
+        <c:axId val="85026304"/>
         <c:scaling>
           <c:orientation val="minMax"/>
         </c:scaling>
@@ -381,7 +381,7 @@
         <c:majorTickMark val="out"/>
         <c:minorTickMark val="none"/>
         <c:tickLblPos val="nextTo"/>
-        <c:crossAx val="42100992"/>
+        <c:crossAx val="72372160"/>
         <c:crosses val="autoZero"/>
         <c:auto val="1"/>
         <c:lblAlgn val="ctr"/>
@@ -389,7 +389,7 @@
         <c:noMultiLvlLbl val="0"/>
       </c:catAx>
       <c:valAx>
-        <c:axId val="42100992"/>
+        <c:axId val="72372160"/>
         <c:scaling>
           <c:orientation val="minMax"/>
         </c:scaling>
@@ -400,7 +400,7 @@
         <c:majorTickMark val="out"/>
         <c:minorTickMark val="none"/>
         <c:tickLblPos val="nextTo"/>
-        <c:crossAx val="42099456"/>
+        <c:crossAx val="85026304"/>
         <c:crosses val="autoZero"/>
         <c:crossBetween val="between"/>
       </c:valAx>
@@ -681,7 +681,7 @@
           <a:p>
             <a:fld id="{1BA50D42-C9CD-4801-B293-61D1F53EC57E}" type="datetimeFigureOut">
               <a:rPr lang="de-DE" smtClean="0"/>
-              <a:t>19.06.2014</a:t>
+              <a:t>20.06.2014</a:t>
             </a:fld>
             <a:endParaRPr lang="de-DE"/>
           </a:p>
@@ -881,7 +881,7 @@
           <a:p>
             <a:fld id="{1BA50D42-C9CD-4801-B293-61D1F53EC57E}" type="datetimeFigureOut">
               <a:rPr lang="de-DE" smtClean="0"/>
-              <a:t>19.06.2014</a:t>
+              <a:t>20.06.2014</a:t>
             </a:fld>
             <a:endParaRPr lang="de-DE"/>
           </a:p>
@@ -1056,7 +1056,7 @@
           <a:p>
             <a:fld id="{1BA50D42-C9CD-4801-B293-61D1F53EC57E}" type="datetimeFigureOut">
               <a:rPr lang="de-DE" smtClean="0"/>
-              <a:t>19.06.2014</a:t>
+              <a:t>20.06.2014</a:t>
             </a:fld>
             <a:endParaRPr lang="de-DE"/>
           </a:p>
@@ -1221,7 +1221,7 @@
           <a:p>
             <a:fld id="{1BA50D42-C9CD-4801-B293-61D1F53EC57E}" type="datetimeFigureOut">
               <a:rPr lang="de-DE" smtClean="0"/>
-              <a:t>19.06.2014</a:t>
+              <a:t>20.06.2014</a:t>
             </a:fld>
             <a:endParaRPr lang="de-DE"/>
           </a:p>
@@ -1469,7 +1469,7 @@
           <a:p>
             <a:fld id="{1BA50D42-C9CD-4801-B293-61D1F53EC57E}" type="datetimeFigureOut">
               <a:rPr lang="de-DE" smtClean="0"/>
-              <a:t>19.06.2014</a:t>
+              <a:t>20.06.2014</a:t>
             </a:fld>
             <a:endParaRPr lang="de-DE"/>
           </a:p>
@@ -1787,7 +1787,7 @@
           <a:p>
             <a:fld id="{1BA50D42-C9CD-4801-B293-61D1F53EC57E}" type="datetimeFigureOut">
               <a:rPr lang="de-DE" smtClean="0"/>
-              <a:t>19.06.2014</a:t>
+              <a:t>20.06.2014</a:t>
             </a:fld>
             <a:endParaRPr lang="de-DE"/>
           </a:p>
@@ -2253,7 +2253,7 @@
           <a:p>
             <a:fld id="{1BA50D42-C9CD-4801-B293-61D1F53EC57E}" type="datetimeFigureOut">
               <a:rPr lang="de-DE" smtClean="0"/>
-              <a:t>19.06.2014</a:t>
+              <a:t>20.06.2014</a:t>
             </a:fld>
             <a:endParaRPr lang="de-DE"/>
           </a:p>
@@ -2401,7 +2401,7 @@
           <a:p>
             <a:fld id="{1BA50D42-C9CD-4801-B293-61D1F53EC57E}" type="datetimeFigureOut">
               <a:rPr lang="de-DE" smtClean="0"/>
-              <a:t>19.06.2014</a:t>
+              <a:t>20.06.2014</a:t>
             </a:fld>
             <a:endParaRPr lang="de-DE"/>
           </a:p>
@@ -2491,7 +2491,7 @@
           <a:p>
             <a:fld id="{1BA50D42-C9CD-4801-B293-61D1F53EC57E}" type="datetimeFigureOut">
               <a:rPr lang="de-DE" smtClean="0"/>
-              <a:t>19.06.2014</a:t>
+              <a:t>20.06.2014</a:t>
             </a:fld>
             <a:endParaRPr lang="de-DE"/>
           </a:p>
@@ -2765,7 +2765,7 @@
           <a:p>
             <a:fld id="{1BA50D42-C9CD-4801-B293-61D1F53EC57E}" type="datetimeFigureOut">
               <a:rPr lang="de-DE" smtClean="0"/>
-              <a:t>19.06.2014</a:t>
+              <a:t>20.06.2014</a:t>
             </a:fld>
             <a:endParaRPr lang="de-DE"/>
           </a:p>
@@ -3070,7 +3070,7 @@
           <a:p>
             <a:fld id="{1BA50D42-C9CD-4801-B293-61D1F53EC57E}" type="datetimeFigureOut">
               <a:rPr lang="de-DE" smtClean="0"/>
-              <a:t>19.06.2014</a:t>
+              <a:t>20.06.2014</a:t>
             </a:fld>
             <a:endParaRPr lang="de-DE"/>
           </a:p>
@@ -3368,7 +3368,7 @@
           <a:p>
             <a:fld id="{1BA50D42-C9CD-4801-B293-61D1F53EC57E}" type="datetimeFigureOut">
               <a:rPr lang="de-DE" smtClean="0"/>
-              <a:t>19.06.2014</a:t>
+              <a:t>20.06.2014</a:t>
             </a:fld>
             <a:endParaRPr lang="de-DE"/>
           </a:p>
@@ -4004,42 +4004,77 @@
           <a:p>
             <a:r>
               <a:rPr lang="de-DE" dirty="0" smtClean="0"/>
-              <a:t>Web </a:t>
+              <a:t>Implementierung in Java (Auslieferung als WAR)</a:t>
+            </a:r>
+          </a:p>
+          <a:p>
+            <a:pPr marL="0" indent="0">
+              <a:buNone/>
+            </a:pPr>
+            <a:endParaRPr lang="de-DE" dirty="0" smtClean="0"/>
+          </a:p>
+          <a:p>
+            <a:r>
+              <a:rPr lang="de-DE" dirty="0" smtClean="0"/>
+              <a:t>Applikationsserver: Tomcat 7 </a:t>
+            </a:r>
+            <a:endParaRPr lang="de-DE" dirty="0"/>
+          </a:p>
+          <a:p>
+            <a:pPr marL="0" indent="0">
+              <a:buNone/>
+            </a:pPr>
+            <a:endParaRPr lang="de-DE" dirty="0" smtClean="0"/>
+          </a:p>
+          <a:p>
+            <a:r>
+              <a:rPr lang="de-DE" dirty="0" smtClean="0"/>
+              <a:t>Mailtechnologie: Versenden über SMTP-Server</a:t>
+            </a:r>
+          </a:p>
+          <a:p>
+            <a:endParaRPr lang="de-DE" dirty="0"/>
+          </a:p>
+          <a:p>
+            <a:r>
+              <a:rPr lang="de-DE" dirty="0" smtClean="0"/>
+              <a:t>HTML verknüpft mit </a:t>
+            </a:r>
+            <a:r>
+              <a:rPr lang="de-DE" b="1" dirty="0" err="1" smtClean="0"/>
+              <a:t>J</a:t>
             </a:r>
             <a:r>
               <a:rPr lang="de-DE" dirty="0" err="1" smtClean="0"/>
-              <a:t>Application</a:t>
-            </a:r>
-            <a:r>
-              <a:rPr lang="de-DE" dirty="0" smtClean="0"/>
-              <a:t> Archive Implementation auf </a:t>
+              <a:t>ava</a:t>
+            </a:r>
+            <a:r>
+              <a:rPr lang="de-DE" b="1" dirty="0" err="1" smtClean="0"/>
+              <a:t>S</a:t>
             </a:r>
             <a:r>
               <a:rPr lang="de-DE" dirty="0" err="1" smtClean="0"/>
-              <a:t>Tomcat</a:t>
-            </a:r>
-            <a:endParaRPr lang="de-DE" dirty="0"/>
-          </a:p>
-          <a:p>
-            <a:endParaRPr lang="de-DE" dirty="0" smtClean="0"/>
-          </a:p>
-          <a:p>
-            <a:r>
-              <a:rPr lang="de-DE" dirty="0" smtClean="0"/>
-              <a:t>Mailtechnologie: Versenden über SMTP-Server</a:t>
-            </a:r>
-          </a:p>
-          <a:p>
-            <a:endParaRPr lang="de-DE" dirty="0"/>
-          </a:p>
-          <a:p>
-            <a:r>
-              <a:rPr lang="de-DE" dirty="0" smtClean="0"/>
-              <a:t>HTML verknüpft mit Java Servlet </a:t>
-            </a:r>
-            <a:r>
-              <a:rPr lang="de-DE" dirty="0" err="1" smtClean="0"/>
-              <a:t>Faces</a:t>
+              <a:t>erver</a:t>
+            </a:r>
+            <a:r>
+              <a:rPr lang="de-DE" dirty="0" smtClean="0"/>
+              <a:t> </a:t>
+            </a:r>
+            <a:r>
+              <a:rPr lang="de-DE" b="1" dirty="0" smtClean="0"/>
+              <a:t>F</a:t>
+            </a:r>
+            <a:r>
+              <a:rPr lang="de-DE" dirty="0" smtClean="0"/>
+              <a:t>aces (</a:t>
+            </a:r>
+            <a:r>
+              <a:rPr lang="de-DE" b="1" dirty="0" smtClean="0"/>
+              <a:t>JSF 2</a:t>
+            </a:r>
+            <a:r>
+              <a:rPr lang="de-DE" dirty="0" smtClean="0"/>
+              <a:t>)</a:t>
             </a:r>
             <a:endParaRPr lang="de-DE" dirty="0"/>
           </a:p>
@@ -4143,15 +4178,7 @@
             <a:pPr lvl="2"/>
             <a:r>
               <a:rPr lang="de-DE" dirty="0" smtClean="0"/>
-              <a:t>Installation auf dem </a:t>
-            </a:r>
-            <a:r>
-              <a:rPr lang="de-DE" dirty="0" err="1" smtClean="0"/>
-              <a:t>Tomcat</a:t>
-            </a:r>
-            <a:r>
-              <a:rPr lang="de-DE" dirty="0" smtClean="0"/>
-              <a:t>-Server</a:t>
+              <a:t>Installation auf dem Tomcat-Server</a:t>
             </a:r>
           </a:p>
           <a:p>
@@ -4190,8 +4217,13 @@
             <a:pPr lvl="1"/>
             <a:r>
               <a:rPr lang="de-DE" dirty="0" smtClean="0"/>
-              <a:t>Mangel an Erfahrung/Tester </a:t>
-            </a:r>
+              <a:t>Mangel an </a:t>
+            </a:r>
+            <a:r>
+              <a:rPr lang="de-DE" dirty="0" smtClean="0"/>
+              <a:t>Testern </a:t>
+            </a:r>
+            <a:endParaRPr lang="de-DE" dirty="0" smtClean="0"/>
           </a:p>
           <a:p>
             <a:pPr lvl="2"/>
@@ -4667,13 +4699,8 @@
           <a:p>
             <a:r>
               <a:rPr lang="de-DE" dirty="0" smtClean="0"/>
-              <a:t>Die gesetzten Ziele wurden </a:t>
-            </a:r>
-            <a:r>
-              <a:rPr lang="de-DE" dirty="0" smtClean="0"/>
-              <a:t>erreicht</a:t>
-            </a:r>
-            <a:endParaRPr lang="de-DE" dirty="0" smtClean="0"/>
+              <a:t>Die gesetzten Ziele wurden erreicht</a:t>
+            </a:r>
           </a:p>
           <a:p>
             <a:endParaRPr lang="de-DE" dirty="0"/>
